--- a/mini-project1-presentation.pptx
+++ b/mini-project1-presentation.pptx
@@ -3414,14 +3414,18 @@
           </a:p>
           <a:p>
             <a:r>
-              <a:rPr lang="en-US" sz="2000" dirty="0">
+              <a:rPr lang="en-US" sz="1600" dirty="0">
                 <a:solidFill>
-                  <a:srgbClr val="0563C1"/>
+                  <a:schemeClr val="accent1"/>
                 </a:solidFill>
               </a:rPr>
-              <a:t>https://dharyl-mini-project1.vercel.app</a:t>
-            </a:r>
-            <a:endParaRPr lang="en-US" sz="3600" dirty="0"/>
+              <a:t>htps://mini-project-1.pages.dev</a:t>
+            </a:r>
+            <a:endParaRPr lang="en-US" sz="3600" dirty="0">
+              <a:solidFill>
+                <a:schemeClr val="accent1"/>
+              </a:solidFill>
+            </a:endParaRPr>
           </a:p>
         </p:txBody>
       </p:sp>
@@ -3617,18 +3621,19 @@
             <a:endParaRPr lang="en-US" dirty="0"/>
           </a:p>
           <a:p>
-            <a:pPr marL="0" indent="0">
-              <a:buNone/>
-            </a:pPr>
             <a:r>
               <a:rPr lang="en-US" sz="2800" dirty="0">
                 <a:solidFill>
-                  <a:srgbClr val="0563C1"/>
+                  <a:schemeClr val="accent1"/>
                 </a:solidFill>
               </a:rPr>
-              <a:t>https://dharyl-mini-project1.vercel.app</a:t>
-            </a:r>
-            <a:endParaRPr lang="en-US" sz="4400" dirty="0"/>
+              <a:t>htps://mini-project-1.pages.dev</a:t>
+            </a:r>
+            <a:endParaRPr lang="en-US" sz="5400" dirty="0">
+              <a:solidFill>
+                <a:schemeClr val="accent1"/>
+              </a:solidFill>
+            </a:endParaRPr>
           </a:p>
           <a:p>
             <a:pPr marL="0" indent="0">
@@ -4012,13 +4017,13 @@
   <p:clrMapOvr>
     <a:masterClrMapping/>
   </p:clrMapOvr>
-  <mc:AlternateContent xmlns:mc="http://schemas.openxmlformats.org/markup-compatibility/2006">
-    <mc:Choice xmlns:p14="http://schemas.microsoft.com/office/powerpoint/2010/main" Requires="p14">
+  <mc:AlternateContent xmlns:mc="http://schemas.openxmlformats.org/markup-compatibility/2006" xmlns:p14="http://schemas.microsoft.com/office/powerpoint/2010/main">
+    <mc:Choice Requires="p14">
       <p:transition spd="med" p14:dur="700">
         <p:fade/>
       </p:transition>
     </mc:Choice>
-    <mc:Fallback>
+    <mc:Fallback xmlns="">
       <p:transition spd="med">
         <p:fade/>
       </p:transition>
